--- a/Document/EGEShow.pptx
+++ b/Document/EGEShow.pptx
@@ -7,9 +7,11 @@
   <p:sldIdLst>
     <p:sldId id="256" r:id="rId2"/>
     <p:sldId id="257" r:id="rId3"/>
-    <p:sldId id="258" r:id="rId4"/>
-    <p:sldId id="259" r:id="rId5"/>
-    <p:sldId id="260" r:id="rId6"/>
+    <p:sldId id="261" r:id="rId4"/>
+    <p:sldId id="262" r:id="rId5"/>
+    <p:sldId id="258" r:id="rId6"/>
+    <p:sldId id="259" r:id="rId7"/>
+    <p:sldId id="260" r:id="rId8"/>
   </p:sldIdLst>
   <p:sldSz cx="12192000" cy="6858000"/>
   <p:notesSz cx="6858000" cy="9144000"/>
@@ -108,6 +110,11 @@
       </a:defRPr>
     </a:lvl9pPr>
   </p:defaultTextStyle>
+  <p:extLst>
+    <p:ext uri="{EFAFB233-063F-42B5-8137-9DF3F51BA10A}">
+      <p15:sldGuideLst xmlns:p15="http://schemas.microsoft.com/office/powerpoint/2012/main"/>
+    </p:ext>
+  </p:extLst>
 </p:presentation>
 </file>
 
@@ -242,7 +249,7 @@
           <a:p>
             <a:fld id="{900B1AC1-72BE-45BB-A43A-9366FABE049D}" type="datetimeFigureOut">
               <a:rPr lang="zh-CN" altLang="en-US" smtClean="0"/>
-              <a:t>2019/4/18</a:t>
+              <a:t>2019/4/19</a:t>
             </a:fld>
             <a:endParaRPr lang="zh-CN" altLang="en-US"/>
           </a:p>
@@ -412,7 +419,7 @@
           <a:p>
             <a:fld id="{900B1AC1-72BE-45BB-A43A-9366FABE049D}" type="datetimeFigureOut">
               <a:rPr lang="zh-CN" altLang="en-US" smtClean="0"/>
-              <a:t>2019/4/18</a:t>
+              <a:t>2019/4/19</a:t>
             </a:fld>
             <a:endParaRPr lang="zh-CN" altLang="en-US"/>
           </a:p>
@@ -592,7 +599,7 @@
           <a:p>
             <a:fld id="{900B1AC1-72BE-45BB-A43A-9366FABE049D}" type="datetimeFigureOut">
               <a:rPr lang="zh-CN" altLang="en-US" smtClean="0"/>
-              <a:t>2019/4/18</a:t>
+              <a:t>2019/4/19</a:t>
             </a:fld>
             <a:endParaRPr lang="zh-CN" altLang="en-US"/>
           </a:p>
@@ -762,7 +769,7 @@
           <a:p>
             <a:fld id="{900B1AC1-72BE-45BB-A43A-9366FABE049D}" type="datetimeFigureOut">
               <a:rPr lang="zh-CN" altLang="en-US" smtClean="0"/>
-              <a:t>2019/4/18</a:t>
+              <a:t>2019/4/19</a:t>
             </a:fld>
             <a:endParaRPr lang="zh-CN" altLang="en-US"/>
           </a:p>
@@ -1008,7 +1015,7 @@
           <a:p>
             <a:fld id="{900B1AC1-72BE-45BB-A43A-9366FABE049D}" type="datetimeFigureOut">
               <a:rPr lang="zh-CN" altLang="en-US" smtClean="0"/>
-              <a:t>2019/4/18</a:t>
+              <a:t>2019/4/19</a:t>
             </a:fld>
             <a:endParaRPr lang="zh-CN" altLang="en-US"/>
           </a:p>
@@ -1240,7 +1247,7 @@
           <a:p>
             <a:fld id="{900B1AC1-72BE-45BB-A43A-9366FABE049D}" type="datetimeFigureOut">
               <a:rPr lang="zh-CN" altLang="en-US" smtClean="0"/>
-              <a:t>2019/4/18</a:t>
+              <a:t>2019/4/19</a:t>
             </a:fld>
             <a:endParaRPr lang="zh-CN" altLang="en-US"/>
           </a:p>
@@ -1607,7 +1614,7 @@
           <a:p>
             <a:fld id="{900B1AC1-72BE-45BB-A43A-9366FABE049D}" type="datetimeFigureOut">
               <a:rPr lang="zh-CN" altLang="en-US" smtClean="0"/>
-              <a:t>2019/4/18</a:t>
+              <a:t>2019/4/19</a:t>
             </a:fld>
             <a:endParaRPr lang="zh-CN" altLang="en-US"/>
           </a:p>
@@ -1725,7 +1732,7 @@
           <a:p>
             <a:fld id="{900B1AC1-72BE-45BB-A43A-9366FABE049D}" type="datetimeFigureOut">
               <a:rPr lang="zh-CN" altLang="en-US" smtClean="0"/>
-              <a:t>2019/4/18</a:t>
+              <a:t>2019/4/19</a:t>
             </a:fld>
             <a:endParaRPr lang="zh-CN" altLang="en-US"/>
           </a:p>
@@ -1820,7 +1827,7 @@
           <a:p>
             <a:fld id="{900B1AC1-72BE-45BB-A43A-9366FABE049D}" type="datetimeFigureOut">
               <a:rPr lang="zh-CN" altLang="en-US" smtClean="0"/>
-              <a:t>2019/4/18</a:t>
+              <a:t>2019/4/19</a:t>
             </a:fld>
             <a:endParaRPr lang="zh-CN" altLang="en-US"/>
           </a:p>
@@ -2097,7 +2104,7 @@
           <a:p>
             <a:fld id="{900B1AC1-72BE-45BB-A43A-9366FABE049D}" type="datetimeFigureOut">
               <a:rPr lang="zh-CN" altLang="en-US" smtClean="0"/>
-              <a:t>2019/4/18</a:t>
+              <a:t>2019/4/19</a:t>
             </a:fld>
             <a:endParaRPr lang="zh-CN" altLang="en-US"/>
           </a:p>
@@ -2350,7 +2357,7 @@
           <a:p>
             <a:fld id="{900B1AC1-72BE-45BB-A43A-9366FABE049D}" type="datetimeFigureOut">
               <a:rPr lang="zh-CN" altLang="en-US" smtClean="0"/>
-              <a:t>2019/4/18</a:t>
+              <a:t>2019/4/19</a:t>
             </a:fld>
             <a:endParaRPr lang="zh-CN" altLang="en-US"/>
           </a:p>
@@ -2563,7 +2570,7 @@
           <a:p>
             <a:fld id="{900B1AC1-72BE-45BB-A43A-9366FABE049D}" type="datetimeFigureOut">
               <a:rPr lang="zh-CN" altLang="en-US" smtClean="0"/>
-              <a:t>2019/4/18</a:t>
+              <a:t>2019/4/19</a:t>
             </a:fld>
             <a:endParaRPr lang="zh-CN" altLang="en-US"/>
           </a:p>
@@ -3360,139 +3367,82 @@
           <a:chExt cx="0" cy="0"/>
         </a:xfrm>
       </p:grpSpPr>
-      <p:sp>
-        <p:nvSpPr>
-          <p:cNvPr id="4" name="标题 3"/>
-          <p:cNvSpPr>
-            <a:spLocks noGrp="1"/>
-          </p:cNvSpPr>
-          <p:nvPr>
-            <p:ph type="ctrTitle"/>
-          </p:nvPr>
-        </p:nvSpPr>
+      <p:pic>
+        <p:nvPicPr>
+          <p:cNvPr id="4" name="图片 3"/>
+          <p:cNvPicPr>
+            <a:picLocks noChangeAspect="1"/>
+          </p:cNvPicPr>
+          <p:nvPr/>
+        </p:nvPicPr>
+        <p:blipFill>
+          <a:blip r:embed="rId2"/>
+          <a:stretch>
+            <a:fillRect/>
+          </a:stretch>
+        </p:blipFill>
         <p:spPr>
           <a:xfrm>
-            <a:off x="1524000" y="1122363"/>
-            <a:ext cx="9144000" cy="639530"/>
+            <a:off x="99113" y="0"/>
+            <a:ext cx="3781425" cy="6638925"/>
           </a:xfrm>
+          <a:prstGeom prst="rect">
+            <a:avLst/>
+          </a:prstGeom>
         </p:spPr>
-        <p:txBody>
-          <a:bodyPr>
-            <a:normAutofit fontScale="90000"/>
-          </a:bodyPr>
-          <a:lstStyle/>
-          <a:p>
-            <a:r>
-              <a:rPr lang="zh-CN" altLang="en-US" dirty="0" smtClean="0"/>
-              <a:t>编辑器及相关工具</a:t>
-            </a:r>
-            <a:endParaRPr lang="zh-CN" altLang="en-US" dirty="0"/>
-          </a:p>
-        </p:txBody>
-      </p:sp>
-      <p:sp>
-        <p:nvSpPr>
-          <p:cNvPr id="5" name="副标题 4"/>
-          <p:cNvSpPr>
-            <a:spLocks noGrp="1"/>
-          </p:cNvSpPr>
-          <p:nvPr>
-            <p:ph type="subTitle" idx="1"/>
-          </p:nvPr>
-        </p:nvSpPr>
+      </p:pic>
+      <p:pic>
+        <p:nvPicPr>
+          <p:cNvPr id="5" name="图片 4"/>
+          <p:cNvPicPr>
+            <a:picLocks noChangeAspect="1"/>
+          </p:cNvPicPr>
+          <p:nvPr/>
+        </p:nvPicPr>
+        <p:blipFill>
+          <a:blip r:embed="rId3"/>
+          <a:stretch>
+            <a:fillRect/>
+          </a:stretch>
+        </p:blipFill>
         <p:spPr>
           <a:xfrm>
-            <a:off x="981307" y="1761893"/>
-            <a:ext cx="9686693" cy="4661209"/>
+            <a:off x="3880538" y="0"/>
+            <a:ext cx="2924175" cy="3676650"/>
           </a:xfrm>
+          <a:prstGeom prst="rect">
+            <a:avLst/>
+          </a:prstGeom>
         </p:spPr>
-        <p:txBody>
-          <a:bodyPr>
-            <a:normAutofit/>
-          </a:bodyPr>
-          <a:lstStyle/>
-          <a:p>
-            <a:pPr marL="457200" indent="-457200" algn="l">
-              <a:buFont typeface="+mj-lt"/>
-              <a:buAutoNum type="arabicPeriod"/>
-            </a:pPr>
-            <a:r>
-              <a:rPr lang="en-US" altLang="zh-CN" dirty="0" err="1" smtClean="0"/>
-              <a:t>AIOEdito</a:t>
-            </a:r>
-            <a:r>
-              <a:rPr lang="en-US" altLang="zh-CN" dirty="0" smtClean="0"/>
-              <a:t>: All-In-One Editor</a:t>
-            </a:r>
-            <a:r>
-              <a:rPr lang="zh-CN" altLang="en-US" dirty="0" smtClean="0"/>
-              <a:t>，游戏资源编辑器，可以进行粒子、游戏界面、模型和材质编写功能。</a:t>
-            </a:r>
-            <a:endParaRPr lang="en-US" altLang="zh-CN" dirty="0" smtClean="0"/>
-          </a:p>
-          <a:p>
-            <a:pPr marL="457200" indent="-457200" algn="l">
-              <a:buFont typeface="+mj-lt"/>
-              <a:buAutoNum type="arabicPeriod"/>
-            </a:pPr>
-            <a:r>
-              <a:rPr lang="en-US" altLang="zh-CN" dirty="0" err="1" smtClean="0"/>
-              <a:t>DeviceMonitor</a:t>
-            </a:r>
-            <a:r>
-              <a:rPr lang="zh-CN" altLang="en-US" dirty="0" smtClean="0"/>
-              <a:t>：动态监测客户端的运行状态，比如检测内存、</a:t>
-            </a:r>
-            <a:r>
-              <a:rPr lang="en-US" altLang="zh-CN" dirty="0" smtClean="0"/>
-              <a:t>CPU</a:t>
-            </a:r>
-            <a:r>
-              <a:rPr lang="zh-CN" altLang="en-US" dirty="0"/>
-              <a:t>占用</a:t>
-            </a:r>
-            <a:r>
-              <a:rPr lang="zh-CN" altLang="en-US" dirty="0" smtClean="0"/>
-              <a:t>率等。</a:t>
-            </a:r>
-            <a:endParaRPr lang="en-US" altLang="zh-CN" dirty="0" smtClean="0"/>
-          </a:p>
-          <a:p>
-            <a:pPr marL="457200" indent="-457200" algn="l">
-              <a:buFont typeface="+mj-lt"/>
-              <a:buAutoNum type="arabicPeriod"/>
-            </a:pPr>
-            <a:r>
-              <a:rPr lang="en-US" altLang="zh-CN" dirty="0" err="1"/>
-              <a:t>SpriteBuilder</a:t>
-            </a:r>
-            <a:r>
-              <a:rPr lang="zh-CN" altLang="en-US" dirty="0" smtClean="0"/>
-              <a:t>：精灵图片生成工具。</a:t>
-            </a:r>
-            <a:endParaRPr lang="en-US" altLang="zh-CN" dirty="0" smtClean="0"/>
-          </a:p>
-          <a:p>
-            <a:pPr marL="457200" indent="-457200" algn="l">
-              <a:buFont typeface="+mj-lt"/>
-              <a:buAutoNum type="arabicPeriod"/>
-            </a:pPr>
-            <a:r>
-              <a:rPr lang="en-US" altLang="zh-CN" dirty="0" err="1" smtClean="0"/>
-              <a:t>PackageBuilder</a:t>
-            </a:r>
-            <a:r>
-              <a:rPr lang="zh-CN" altLang="en-US" dirty="0" smtClean="0"/>
-              <a:t>：数据包和补丁包打包工具。</a:t>
-            </a:r>
-            <a:endParaRPr lang="en-US" altLang="zh-CN" dirty="0" smtClean="0"/>
-          </a:p>
-        </p:txBody>
-      </p:sp>
+      </p:pic>
+      <p:pic>
+        <p:nvPicPr>
+          <p:cNvPr id="6" name="图片 5"/>
+          <p:cNvPicPr>
+            <a:picLocks noChangeAspect="1"/>
+          </p:cNvPicPr>
+          <p:nvPr/>
+        </p:nvPicPr>
+        <p:blipFill>
+          <a:blip r:embed="rId4"/>
+          <a:stretch>
+            <a:fillRect/>
+          </a:stretch>
+        </p:blipFill>
+        <p:spPr>
+          <a:xfrm>
+            <a:off x="6804713" y="0"/>
+            <a:ext cx="3467100" cy="5638800"/>
+          </a:xfrm>
+          <a:prstGeom prst="rect">
+            <a:avLst/>
+          </a:prstGeom>
+        </p:spPr>
+      </p:pic>
     </p:spTree>
     <p:extLst>
       <p:ext uri="{BB962C8B-B14F-4D97-AF65-F5344CB8AC3E}">
-        <p14:creationId xmlns:p14="http://schemas.microsoft.com/office/powerpoint/2010/main" val="896884341"/>
+        <p14:creationId xmlns:p14="http://schemas.microsoft.com/office/powerpoint/2010/main" val="3733650901"/>
       </p:ext>
     </p:extLst>
   </p:cSld>
@@ -3519,6 +3469,267 @@
           <a:chExt cx="0" cy="0"/>
         </a:xfrm>
       </p:grpSpPr>
+      <p:pic>
+        <p:nvPicPr>
+          <p:cNvPr id="4" name="图片 3"/>
+          <p:cNvPicPr>
+            <a:picLocks noChangeAspect="1"/>
+          </p:cNvPicPr>
+          <p:nvPr/>
+        </p:nvPicPr>
+        <p:blipFill>
+          <a:blip r:embed="rId2"/>
+          <a:stretch>
+            <a:fillRect/>
+          </a:stretch>
+        </p:blipFill>
+        <p:spPr>
+          <a:xfrm>
+            <a:off x="113850" y="71347"/>
+            <a:ext cx="3286125" cy="2419350"/>
+          </a:xfrm>
+          <a:prstGeom prst="rect">
+            <a:avLst/>
+          </a:prstGeom>
+        </p:spPr>
+      </p:pic>
+      <p:pic>
+        <p:nvPicPr>
+          <p:cNvPr id="5" name="图片 4"/>
+          <p:cNvPicPr>
+            <a:picLocks noChangeAspect="1"/>
+          </p:cNvPicPr>
+          <p:nvPr/>
+        </p:nvPicPr>
+        <p:blipFill>
+          <a:blip r:embed="rId3"/>
+          <a:stretch>
+            <a:fillRect/>
+          </a:stretch>
+        </p:blipFill>
+        <p:spPr>
+          <a:xfrm>
+            <a:off x="113850" y="2666461"/>
+            <a:ext cx="2552700" cy="438150"/>
+          </a:xfrm>
+          <a:prstGeom prst="rect">
+            <a:avLst/>
+          </a:prstGeom>
+        </p:spPr>
+      </p:pic>
+      <p:pic>
+        <p:nvPicPr>
+          <p:cNvPr id="6" name="图片 5"/>
+          <p:cNvPicPr>
+            <a:picLocks noChangeAspect="1"/>
+          </p:cNvPicPr>
+          <p:nvPr/>
+        </p:nvPicPr>
+        <p:blipFill>
+          <a:blip r:embed="rId4"/>
+          <a:stretch>
+            <a:fillRect/>
+          </a:stretch>
+        </p:blipFill>
+        <p:spPr>
+          <a:xfrm>
+            <a:off x="3399975" y="71347"/>
+            <a:ext cx="3076575" cy="4171950"/>
+          </a:xfrm>
+          <a:prstGeom prst="rect">
+            <a:avLst/>
+          </a:prstGeom>
+        </p:spPr>
+      </p:pic>
+    </p:spTree>
+    <p:extLst>
+      <p:ext uri="{BB962C8B-B14F-4D97-AF65-F5344CB8AC3E}">
+        <p14:creationId xmlns:p14="http://schemas.microsoft.com/office/powerpoint/2010/main" val="986288277"/>
+      </p:ext>
+    </p:extLst>
+  </p:cSld>
+  <p:clrMapOvr>
+    <a:masterClrMapping/>
+  </p:clrMapOvr>
+</p:sld>
+</file>
+
+<file path=ppt/slides/slide5.xml><?xml version="1.0" encoding="utf-8"?>
+<p:sld xmlns:a="http://schemas.openxmlformats.org/drawingml/2006/main" xmlns:r="http://schemas.openxmlformats.org/officeDocument/2006/relationships" xmlns:p="http://schemas.openxmlformats.org/presentationml/2006/main">
+  <p:cSld>
+    <p:spTree>
+      <p:nvGrpSpPr>
+        <p:cNvPr id="1" name=""/>
+        <p:cNvGrpSpPr/>
+        <p:nvPr/>
+      </p:nvGrpSpPr>
+      <p:grpSpPr>
+        <a:xfrm>
+          <a:off x="0" y="0"/>
+          <a:ext cx="0" cy="0"/>
+          <a:chOff x="0" y="0"/>
+          <a:chExt cx="0" cy="0"/>
+        </a:xfrm>
+      </p:grpSpPr>
+      <p:sp>
+        <p:nvSpPr>
+          <p:cNvPr id="4" name="标题 3"/>
+          <p:cNvSpPr>
+            <a:spLocks noGrp="1"/>
+          </p:cNvSpPr>
+          <p:nvPr>
+            <p:ph type="ctrTitle"/>
+          </p:nvPr>
+        </p:nvSpPr>
+        <p:spPr>
+          <a:xfrm>
+            <a:off x="1524000" y="1122363"/>
+            <a:ext cx="9144000" cy="639530"/>
+          </a:xfrm>
+        </p:spPr>
+        <p:txBody>
+          <a:bodyPr>
+            <a:normAutofit fontScale="90000"/>
+          </a:bodyPr>
+          <a:lstStyle/>
+          <a:p>
+            <a:r>
+              <a:rPr lang="zh-CN" altLang="en-US" dirty="0" smtClean="0"/>
+              <a:t>编辑器及相关工具</a:t>
+            </a:r>
+            <a:endParaRPr lang="zh-CN" altLang="en-US" dirty="0"/>
+          </a:p>
+        </p:txBody>
+      </p:sp>
+      <p:sp>
+        <p:nvSpPr>
+          <p:cNvPr id="5" name="副标题 4"/>
+          <p:cNvSpPr>
+            <a:spLocks noGrp="1"/>
+          </p:cNvSpPr>
+          <p:nvPr>
+            <p:ph type="subTitle" idx="1"/>
+          </p:nvPr>
+        </p:nvSpPr>
+        <p:spPr>
+          <a:xfrm>
+            <a:off x="981307" y="1761893"/>
+            <a:ext cx="9686693" cy="4661209"/>
+          </a:xfrm>
+        </p:spPr>
+        <p:txBody>
+          <a:bodyPr>
+            <a:normAutofit/>
+          </a:bodyPr>
+          <a:lstStyle/>
+          <a:p>
+            <a:pPr marL="457200" indent="-457200" algn="l">
+              <a:buFont typeface="+mj-lt"/>
+              <a:buAutoNum type="arabicPeriod"/>
+            </a:pPr>
+            <a:r>
+              <a:rPr lang="en-US" altLang="zh-CN" dirty="0" err="1" smtClean="0"/>
+              <a:t>AIOEdito</a:t>
+            </a:r>
+            <a:r>
+              <a:rPr lang="en-US" altLang="zh-CN" dirty="0" smtClean="0"/>
+              <a:t>: All-In-One Editor</a:t>
+            </a:r>
+            <a:r>
+              <a:rPr lang="zh-CN" altLang="en-US" dirty="0" smtClean="0"/>
+              <a:t>，游戏资源编辑器，可以进行粒子、游戏界面、模型和材质编写功能。</a:t>
+            </a:r>
+            <a:endParaRPr lang="en-US" altLang="zh-CN" dirty="0" smtClean="0"/>
+          </a:p>
+          <a:p>
+            <a:pPr marL="457200" indent="-457200" algn="l">
+              <a:buFont typeface="+mj-lt"/>
+              <a:buAutoNum type="arabicPeriod"/>
+            </a:pPr>
+            <a:r>
+              <a:rPr lang="en-US" altLang="zh-CN" dirty="0" err="1" smtClean="0"/>
+              <a:t>DeviceMonitor</a:t>
+            </a:r>
+            <a:r>
+              <a:rPr lang="zh-CN" altLang="en-US" dirty="0" smtClean="0"/>
+              <a:t>：动态监测客户端的运行状态，比如检测内存、</a:t>
+            </a:r>
+            <a:r>
+              <a:rPr lang="en-US" altLang="zh-CN" dirty="0" smtClean="0"/>
+              <a:t>CPU</a:t>
+            </a:r>
+            <a:r>
+              <a:rPr lang="zh-CN" altLang="en-US" dirty="0"/>
+              <a:t>占用</a:t>
+            </a:r>
+            <a:r>
+              <a:rPr lang="zh-CN" altLang="en-US" dirty="0" smtClean="0"/>
+              <a:t>率等。</a:t>
+            </a:r>
+            <a:endParaRPr lang="en-US" altLang="zh-CN" dirty="0" smtClean="0"/>
+          </a:p>
+          <a:p>
+            <a:pPr marL="457200" indent="-457200" algn="l">
+              <a:buFont typeface="+mj-lt"/>
+              <a:buAutoNum type="arabicPeriod"/>
+            </a:pPr>
+            <a:r>
+              <a:rPr lang="en-US" altLang="zh-CN" dirty="0" err="1"/>
+              <a:t>SpriteBuilder</a:t>
+            </a:r>
+            <a:r>
+              <a:rPr lang="zh-CN" altLang="en-US" dirty="0" smtClean="0"/>
+              <a:t>：精灵图片生成工具。</a:t>
+            </a:r>
+            <a:endParaRPr lang="en-US" altLang="zh-CN" dirty="0" smtClean="0"/>
+          </a:p>
+          <a:p>
+            <a:pPr marL="457200" indent="-457200" algn="l">
+              <a:buFont typeface="+mj-lt"/>
+              <a:buAutoNum type="arabicPeriod"/>
+            </a:pPr>
+            <a:r>
+              <a:rPr lang="en-US" altLang="zh-CN" dirty="0" err="1" smtClean="0"/>
+              <a:t>PackageBuilder</a:t>
+            </a:r>
+            <a:r>
+              <a:rPr lang="zh-CN" altLang="en-US" dirty="0" smtClean="0"/>
+              <a:t>：数据包和补丁包打包工具。</a:t>
+            </a:r>
+            <a:endParaRPr lang="en-US" altLang="zh-CN" dirty="0" smtClean="0"/>
+          </a:p>
+        </p:txBody>
+      </p:sp>
+    </p:spTree>
+    <p:extLst>
+      <p:ext uri="{BB962C8B-B14F-4D97-AF65-F5344CB8AC3E}">
+        <p14:creationId xmlns:p14="http://schemas.microsoft.com/office/powerpoint/2010/main" val="896884341"/>
+      </p:ext>
+    </p:extLst>
+  </p:cSld>
+  <p:clrMapOvr>
+    <a:masterClrMapping/>
+  </p:clrMapOvr>
+</p:sld>
+</file>
+
+<file path=ppt/slides/slide6.xml><?xml version="1.0" encoding="utf-8"?>
+<p:sld xmlns:a="http://schemas.openxmlformats.org/drawingml/2006/main" xmlns:r="http://schemas.openxmlformats.org/officeDocument/2006/relationships" xmlns:p="http://schemas.openxmlformats.org/presentationml/2006/main">
+  <p:cSld>
+    <p:spTree>
+      <p:nvGrpSpPr>
+        <p:cNvPr id="1" name=""/>
+        <p:cNvGrpSpPr/>
+        <p:nvPr/>
+      </p:nvGrpSpPr>
+      <p:grpSpPr>
+        <a:xfrm>
+          <a:off x="0" y="0"/>
+          <a:ext cx="0" cy="0"/>
+          <a:chOff x="0" y="0"/>
+          <a:chExt cx="0" cy="0"/>
+        </a:xfrm>
+      </p:grpSpPr>
       <p:sp>
         <p:nvSpPr>
           <p:cNvPr id="4" name="标题 3"/>
@@ -3647,7 +3858,7 @@
 </p:sld>
 </file>
 
-<file path=ppt/slides/slide5.xml><?xml version="1.0" encoding="utf-8"?>
+<file path=ppt/slides/slide7.xml><?xml version="1.0" encoding="utf-8"?>
 <p:sld xmlns:a="http://schemas.openxmlformats.org/drawingml/2006/main" xmlns:r="http://schemas.openxmlformats.org/officeDocument/2006/relationships" xmlns:p="http://schemas.openxmlformats.org/presentationml/2006/main">
   <p:cSld>
     <p:spTree>
